--- a/lecture-materials/Databases/Keyspaces/aws_keyspaces.pptx
+++ b/lecture-materials/Databases/Keyspaces/aws_keyspaces.pptx
@@ -203,7 +203,7 @@
           <a:p>
             <a:fld id="{AAEB6DE9-8825-46DB-8599-E6FDEFBC057E}" type="datetimeFigureOut">
               <a:rPr lang="en-US" smtClean="0"/>
-              <a:t>12/3/23</a:t>
+              <a:t>12/10/23</a:t>
             </a:fld>
             <a:endParaRPr lang="en-US"/>
           </a:p>
@@ -1106,7 +1106,7 @@
           <a:p>
             <a:fld id="{8BFB2B9F-0BB7-4D1B-91A5-614A0A292C0D}" type="datetimeFigureOut">
               <a:rPr lang="en-US" smtClean="0"/>
-              <a:t>12/3/23</a:t>
+              <a:t>12/10/23</a:t>
             </a:fld>
             <a:endParaRPr lang="en-US"/>
           </a:p>
@@ -1276,7 +1276,7 @@
           <a:p>
             <a:fld id="{8BFB2B9F-0BB7-4D1B-91A5-614A0A292C0D}" type="datetimeFigureOut">
               <a:rPr lang="en-US" smtClean="0"/>
-              <a:t>12/3/23</a:t>
+              <a:t>12/10/23</a:t>
             </a:fld>
             <a:endParaRPr lang="en-US"/>
           </a:p>
@@ -1456,7 +1456,7 @@
           <a:p>
             <a:fld id="{8BFB2B9F-0BB7-4D1B-91A5-614A0A292C0D}" type="datetimeFigureOut">
               <a:rPr lang="en-US" smtClean="0"/>
-              <a:t>12/3/23</a:t>
+              <a:t>12/10/23</a:t>
             </a:fld>
             <a:endParaRPr lang="en-US"/>
           </a:p>
@@ -1626,7 +1626,7 @@
           <a:p>
             <a:fld id="{8BFB2B9F-0BB7-4D1B-91A5-614A0A292C0D}" type="datetimeFigureOut">
               <a:rPr lang="en-US" smtClean="0"/>
-              <a:t>12/3/23</a:t>
+              <a:t>12/10/23</a:t>
             </a:fld>
             <a:endParaRPr lang="en-US"/>
           </a:p>
@@ -1872,7 +1872,7 @@
           <a:p>
             <a:fld id="{8BFB2B9F-0BB7-4D1B-91A5-614A0A292C0D}" type="datetimeFigureOut">
               <a:rPr lang="en-US" smtClean="0"/>
-              <a:t>12/3/23</a:t>
+              <a:t>12/10/23</a:t>
             </a:fld>
             <a:endParaRPr lang="en-US"/>
           </a:p>
@@ -2104,7 +2104,7 @@
           <a:p>
             <a:fld id="{8BFB2B9F-0BB7-4D1B-91A5-614A0A292C0D}" type="datetimeFigureOut">
               <a:rPr lang="en-US" smtClean="0"/>
-              <a:t>12/3/23</a:t>
+              <a:t>12/10/23</a:t>
             </a:fld>
             <a:endParaRPr lang="en-US"/>
           </a:p>
@@ -2471,7 +2471,7 @@
           <a:p>
             <a:fld id="{8BFB2B9F-0BB7-4D1B-91A5-614A0A292C0D}" type="datetimeFigureOut">
               <a:rPr lang="en-US" smtClean="0"/>
-              <a:t>12/3/23</a:t>
+              <a:t>12/10/23</a:t>
             </a:fld>
             <a:endParaRPr lang="en-US"/>
           </a:p>
@@ -2589,7 +2589,7 @@
           <a:p>
             <a:fld id="{8BFB2B9F-0BB7-4D1B-91A5-614A0A292C0D}" type="datetimeFigureOut">
               <a:rPr lang="en-US" smtClean="0"/>
-              <a:t>12/3/23</a:t>
+              <a:t>12/10/23</a:t>
             </a:fld>
             <a:endParaRPr lang="en-US"/>
           </a:p>
@@ -2684,7 +2684,7 @@
           <a:p>
             <a:fld id="{8BFB2B9F-0BB7-4D1B-91A5-614A0A292C0D}" type="datetimeFigureOut">
               <a:rPr lang="en-US" smtClean="0"/>
-              <a:t>12/3/23</a:t>
+              <a:t>12/10/23</a:t>
             </a:fld>
             <a:endParaRPr lang="en-US"/>
           </a:p>
@@ -2961,7 +2961,7 @@
           <a:p>
             <a:fld id="{8BFB2B9F-0BB7-4D1B-91A5-614A0A292C0D}" type="datetimeFigureOut">
               <a:rPr lang="en-US" smtClean="0"/>
-              <a:t>12/3/23</a:t>
+              <a:t>12/10/23</a:t>
             </a:fld>
             <a:endParaRPr lang="en-US"/>
           </a:p>
@@ -3214,7 +3214,7 @@
           <a:p>
             <a:fld id="{8BFB2B9F-0BB7-4D1B-91A5-614A0A292C0D}" type="datetimeFigureOut">
               <a:rPr lang="en-US" smtClean="0"/>
-              <a:t>12/3/23</a:t>
+              <a:t>12/10/23</a:t>
             </a:fld>
             <a:endParaRPr lang="en-US"/>
           </a:p>
@@ -3427,7 +3427,7 @@
           <a:p>
             <a:fld id="{8BFB2B9F-0BB7-4D1B-91A5-614A0A292C0D}" type="datetimeFigureOut">
               <a:rPr lang="en-US" smtClean="0"/>
-              <a:t>12/3/23</a:t>
+              <a:t>12/10/23</a:t>
             </a:fld>
             <a:endParaRPr lang="en-US"/>
           </a:p>
@@ -6044,99 +6044,99 @@
           <a:lstStyle/>
           <a:p>
             <a:r>
-              <a:rPr lang="en-US" sz="1100"/>
+              <a:rPr lang="en-US" sz="1100" dirty="0"/>
               <a:t>A scalable, highly available, and fully-managed database service</a:t>
             </a:r>
           </a:p>
           <a:p>
             <a:r>
-              <a:rPr lang="en-US" sz="1100"/>
+              <a:rPr lang="en-US" sz="1100" dirty="0"/>
               <a:t>Lets you run your </a:t>
             </a:r>
             <a:r>
-              <a:rPr lang="en-US" sz="1100" u="sng"/>
+              <a:rPr lang="en-US" sz="1100" u="sng" dirty="0"/>
               <a:t>Cassandra</a:t>
             </a:r>
             <a:r>
-              <a:rPr lang="en-US" sz="1100"/>
+              <a:rPr lang="en-US" sz="1100" dirty="0"/>
               <a:t> workloads on AWS</a:t>
             </a:r>
           </a:p>
           <a:p>
             <a:r>
-              <a:rPr lang="en-US" sz="1100"/>
+              <a:rPr lang="en-US" sz="1100" dirty="0"/>
               <a:t>Cassandra is an open-source, wide-column, </a:t>
             </a:r>
             <a:r>
-              <a:rPr lang="en-US" sz="1100" u="sng"/>
+              <a:rPr lang="en-US" sz="1100" u="sng" dirty="0"/>
               <a:t>NoSQL data store</a:t>
             </a:r>
           </a:p>
           <a:p>
             <a:r>
-              <a:rPr lang="en-US" sz="1100"/>
+              <a:rPr lang="en-US" sz="1100" dirty="0"/>
               <a:t>Is serverless, so you pay for what you use + autoscaling</a:t>
             </a:r>
           </a:p>
           <a:p>
             <a:r>
-              <a:rPr lang="en-US" sz="1100"/>
+              <a:rPr lang="en-US" sz="1100" dirty="0"/>
               <a:t>Supports thousands of requests per second with virtually unlimited throughput and storage</a:t>
             </a:r>
           </a:p>
           <a:p>
             <a:r>
-              <a:rPr lang="en-US" sz="1100"/>
+              <a:rPr lang="en-US" sz="1100" dirty="0"/>
               <a:t>Compatible with the CQL (Cassandra Query Language) API</a:t>
             </a:r>
           </a:p>
           <a:p>
             <a:r>
-              <a:rPr lang="en-US" sz="1100"/>
+              <a:rPr lang="en-US" sz="1100" dirty="0"/>
               <a:t>Security through IAM, VPC and KMS</a:t>
             </a:r>
           </a:p>
           <a:p>
             <a:r>
-              <a:rPr lang="en-US" sz="1100"/>
+              <a:rPr lang="en-US" sz="1100" dirty="0"/>
               <a:t>Data is encrypted by default, supports encryption at rest and in transit</a:t>
             </a:r>
           </a:p>
           <a:p>
             <a:r>
-              <a:rPr lang="en-US" sz="1100"/>
+              <a:rPr lang="en-US" sz="1100" dirty="0"/>
               <a:t>Supports continuous backups with PITR</a:t>
             </a:r>
           </a:p>
           <a:p>
             <a:r>
-              <a:rPr lang="en-US" sz="1100"/>
+              <a:rPr lang="en-US" sz="1100" dirty="0"/>
               <a:t>All writes replicated three times across multiple AZs for durability and availability</a:t>
             </a:r>
           </a:p>
           <a:p>
             <a:r>
-              <a:rPr lang="en-US" sz="1100"/>
+              <a:rPr lang="en-US" sz="1100" dirty="0"/>
               <a:t>Offers 99.99% availability SLA within Region with no scheduled downtime</a:t>
             </a:r>
           </a:p>
           <a:p>
             <a:r>
-              <a:rPr lang="en-US" sz="1100" u="sng"/>
+              <a:rPr lang="en-US" sz="1100" u="sng" dirty="0"/>
               <a:t>Monitoring</a:t>
             </a:r>
             <a:r>
-              <a:rPr lang="en-US" sz="1100"/>
+              <a:rPr lang="en-US" sz="1100" dirty="0"/>
               <a:t> through CloudWatch, DDL actions logged with CloudTrail </a:t>
             </a:r>
           </a:p>
           <a:p>
             <a:r>
-              <a:rPr lang="en-US" sz="1100" u="sng"/>
+              <a:rPr lang="en-US" sz="1100" u="sng" dirty="0"/>
               <a:t>Use cases: </a:t>
             </a:r>
             <a:r>
-              <a:rPr lang="en-US" sz="1100"/>
+              <a:rPr lang="en-US" sz="1100" dirty="0"/>
               <a:t>IoT device metadata / User profiles / Time-series data / Transactions data (e.g. ecommerce)</a:t>
             </a:r>
           </a:p>
@@ -7809,92 +7809,100 @@
           <a:p>
             <a:pPr marL="0"/>
             <a:r>
-              <a:rPr lang="en-US" sz="1000" b="1"/>
+              <a:rPr lang="en-US" sz="1000" b="1" dirty="0"/>
               <a:t>Apache Cassandra </a:t>
             </a:r>
             <a:r>
-              <a:rPr lang="en-US" sz="1000"/>
+              <a:rPr lang="en-US" sz="1000" dirty="0"/>
               <a:t>is an open source NoSQL distributed database trusted by thousands of companies for scalability and high availability without compromising performance. </a:t>
             </a:r>
           </a:p>
           <a:p>
             <a:pPr marL="0"/>
             <a:r>
-              <a:rPr lang="en-US" sz="1000"/>
+              <a:rPr lang="en-US" sz="1000" dirty="0"/>
               <a:t>Linear scalability and proven fault-tolerance on commodity hardware or cloud infrastructure make it the perfect platform for mission-critical data.</a:t>
             </a:r>
           </a:p>
           <a:p>
             <a:pPr marL="0"/>
             <a:r>
-              <a:rPr lang="en-US" sz="1000" b="1"/>
-              <a:t>Fearutes: </a:t>
-            </a:r>
-          </a:p>
-          <a:p>
-            <a:pPr marL="0"/>
-            <a:r>
-              <a:rPr lang="en-US" sz="1000" b="1"/>
+              <a:rPr lang="en-US" sz="1000" b="1" dirty="0"/>
+              <a:t>Features: </a:t>
+            </a:r>
+          </a:p>
+          <a:p>
+            <a:pPr marL="457200" lvl="1"/>
+            <a:r>
+              <a:rPr lang="en-US" sz="1000" b="1" dirty="0"/>
               <a:t>Hybrid</a:t>
             </a:r>
             <a:r>
-              <a:rPr lang="en-US" sz="1000"/>
+              <a:rPr lang="en-US" sz="1000" dirty="0"/>
               <a:t> : Masterless architecture and low latency means Cassandra will withstand an entire data center outage with no data loss—across public or private clouds and on-premises.</a:t>
             </a:r>
           </a:p>
           <a:p>
-            <a:pPr marL="0"/>
-            <a:r>
-              <a:rPr lang="en-US" sz="1000" b="1"/>
+            <a:pPr marL="457200" lvl="1"/>
+            <a:r>
+              <a:rPr lang="en-US" sz="1000" b="1" dirty="0"/>
               <a:t>Fault Tolerant </a:t>
             </a:r>
             <a:r>
-              <a:rPr lang="en-US" sz="1000"/>
+              <a:rPr lang="en-US" sz="1000" dirty="0"/>
               <a:t>: Cassandra’s support for replicating across multiple datacenters is best-in-class, providing lower latency for your users and the peace of mind of knowing that you can survive regional outages. Failed nodes can be replaced with no downtime.</a:t>
             </a:r>
           </a:p>
           <a:p>
-            <a:pPr marL="0"/>
-            <a:r>
-              <a:rPr lang="en-US" sz="1000" b="1"/>
+            <a:pPr marL="457200" lvl="1"/>
+            <a:r>
+              <a:rPr lang="en-US" sz="1000" b="1" dirty="0"/>
               <a:t>Focus on Quality </a:t>
             </a:r>
             <a:r>
-              <a:rPr lang="en-US" sz="1000"/>
+              <a:rPr lang="en-US" sz="1000" dirty="0"/>
               <a:t>: To ensure reliability and stability, Cassandra is tested on clusters as large as 1,000 nodes and with hundreds of real world use cases and schemas tested with replay, fuzz, property-based, fault-injection, and performance tests.</a:t>
             </a:r>
           </a:p>
           <a:p>
-            <a:pPr marL="0"/>
-            <a:r>
-              <a:rPr lang="en-US" sz="1000" b="1"/>
+            <a:pPr marL="457200" lvl="1"/>
+            <a:r>
+              <a:rPr lang="en-US" sz="1000" b="1" dirty="0"/>
               <a:t>Performant</a:t>
             </a:r>
             <a:r>
-              <a:rPr lang="en-US" sz="1000"/>
+              <a:rPr lang="en-US" sz="1000" dirty="0"/>
               <a:t> : Cassandra consistently outperforms popular NoSQL alternatives in benchmarks and real applications, primarily because of fundamental architectural choices.</a:t>
             </a:r>
           </a:p>
           <a:p>
-            <a:pPr marL="0"/>
-            <a:r>
-              <a:rPr lang="en-US" sz="1000" b="1"/>
+            <a:pPr marL="457200" lvl="1"/>
+            <a:r>
+              <a:rPr lang="en-US" sz="1000" b="1" dirty="0"/>
               <a:t>You’re In Control </a:t>
             </a:r>
             <a:r>
-              <a:rPr lang="en-US" sz="1000"/>
+              <a:rPr lang="en-US" sz="1000" dirty="0"/>
               <a:t>: Choose between synchronous or asynchronous replication for each update. Highly available asynchronous operations are optimized with features like Hinted Handoff and Read Repair.</a:t>
             </a:r>
           </a:p>
           <a:p>
-            <a:pPr marL="0"/>
-            <a:r>
-              <a:rPr lang="en-US" sz="1000" b="1"/>
+            <a:pPr marL="457200" lvl="1"/>
+            <a:r>
+              <a:rPr lang="en-US" sz="1000" b="1" dirty="0"/>
               <a:t>Security and Observability </a:t>
             </a:r>
             <a:r>
-              <a:rPr lang="en-US" sz="1000"/>
-              <a:t>: The audit logging feature for operators tracks the DML, DDL, and DCL activity with minimal impact to normal workload performance, while the fqltool allows the capture and replay of production workloads for analysis.</a:t>
+              <a:rPr lang="en-US" sz="1000" dirty="0"/>
+              <a:t>: The audit logging feature for operators tracks the DML, DDL, and DCL activity with minimal impact to normal workload performance, while the </a:t>
+            </a:r>
+            <a:r>
+              <a:rPr lang="en-US" sz="1000" dirty="0" err="1"/>
+              <a:t>fqltool</a:t>
+            </a:r>
+            <a:r>
+              <a:rPr lang="en-US" sz="1000" dirty="0"/>
+              <a:t> allows the capture and replay of production workloads for analysis.</a:t>
             </a:r>
           </a:p>
         </p:txBody>
@@ -9565,34 +9573,46 @@
           <a:lstStyle/>
           <a:p>
             <a:r>
-              <a:rPr lang="en-US" sz="2000"/>
-              <a:t>You use CQL for interacting with Cassandra database (and with Keyspaces)</a:t>
-            </a:r>
-          </a:p>
-          <a:p>
-            <a:r>
-              <a:rPr lang="en-US" sz="2000"/>
+              <a:rPr lang="en-US" sz="1800" dirty="0"/>
+              <a:t>You use CQL for interacting with Cassandra database (and with </a:t>
+            </a:r>
+            <a:r>
+              <a:rPr lang="en-US" sz="1800" dirty="0" err="1"/>
+              <a:t>Keyspaces</a:t>
+            </a:r>
+            <a:r>
+              <a:rPr lang="en-US" sz="1800" dirty="0"/>
+              <a:t>)</a:t>
+            </a:r>
+          </a:p>
+          <a:p>
+            <a:r>
+              <a:rPr lang="en-US" sz="1800" dirty="0"/>
               <a:t>To run CQL queries, you can use: </a:t>
             </a:r>
           </a:p>
           <a:p>
             <a:pPr lvl="1"/>
             <a:r>
-              <a:rPr lang="en-US" sz="2000"/>
+              <a:rPr lang="en-US" sz="1800" dirty="0"/>
               <a:t>CQL editor in the AWS Console </a:t>
             </a:r>
           </a:p>
           <a:p>
             <a:pPr lvl="1"/>
             <a:r>
-              <a:rPr lang="en-US" sz="2000"/>
-              <a:t>cqlsh client (CQL shell) </a:t>
+              <a:rPr lang="en-US" sz="1800" dirty="0" err="1"/>
+              <a:t>cqlsh</a:t>
+            </a:r>
+            <a:r>
+              <a:rPr lang="en-US" sz="1800" dirty="0"/>
+              <a:t> client (CQL shell) </a:t>
             </a:r>
           </a:p>
           <a:p>
             <a:pPr lvl="1"/>
             <a:r>
-              <a:rPr lang="en-US" sz="2000"/>
+              <a:rPr lang="en-US" sz="1800" dirty="0"/>
               <a:t>Cassandra client driver (programmatic access)</a:t>
             </a:r>
           </a:p>
@@ -11160,47 +11180,47 @@
           <a:lstStyle/>
           <a:p>
             <a:r>
-              <a:rPr lang="en-US" sz="2000"/>
+              <a:rPr lang="en-US" sz="1800" dirty="0"/>
               <a:t>Two read consistency modes: </a:t>
             </a:r>
           </a:p>
           <a:p>
             <a:pPr lvl="1"/>
             <a:r>
-              <a:rPr lang="en-US" sz="2000" u="sng"/>
+              <a:rPr lang="en-US" sz="1800" u="sng" dirty="0"/>
               <a:t>LOCAL_ONE consistency</a:t>
             </a:r>
           </a:p>
           <a:p>
             <a:pPr lvl="1"/>
             <a:r>
-              <a:rPr lang="en-US" sz="2000" u="sng"/>
+              <a:rPr lang="en-US" sz="1800" u="sng" dirty="0"/>
               <a:t>LOCAL_QUORUM consistency</a:t>
             </a:r>
           </a:p>
           <a:p>
             <a:r>
-              <a:rPr lang="en-US" sz="2000" u="sng"/>
+              <a:rPr lang="en-US" sz="1800" u="sng" dirty="0"/>
               <a:t>LOCAL_ONE</a:t>
             </a:r>
             <a:r>
-              <a:rPr lang="en-US" sz="2000"/>
+              <a:rPr lang="en-US" sz="1800" dirty="0"/>
               <a:t> optimizes for performance and availability by returning the first returned value from any storage replica</a:t>
             </a:r>
           </a:p>
           <a:p>
             <a:r>
-              <a:rPr lang="en-US" sz="2000" u="sng"/>
+              <a:rPr lang="en-US" sz="1800" u="sng" dirty="0"/>
               <a:t>LOCAL_QUORUM</a:t>
             </a:r>
             <a:r>
-              <a:rPr lang="en-US" sz="2000"/>
+              <a:rPr lang="en-US" sz="1800" dirty="0"/>
               <a:t> optimizes for data correctness by requiring at least two replicas to return a value before it is returned to your application</a:t>
             </a:r>
           </a:p>
           <a:p>
             <a:r>
-              <a:rPr lang="en-US" sz="2000"/>
+              <a:rPr lang="en-US" sz="1800" dirty="0"/>
               <a:t>All writes use LOCAL_QUORUM for durability</a:t>
             </a:r>
           </a:p>
@@ -13103,7 +13123,7 @@
               </a:spcAft>
             </a:pPr>
             <a:r>
-              <a:rPr lang="en-US" sz="1218" b="1" kern="1200">
+              <a:rPr lang="en-US" sz="1218" b="1" kern="1200" dirty="0">
                 <a:solidFill>
                   <a:schemeClr val="tx1"/>
                 </a:solidFill>
@@ -13121,7 +13141,7 @@
               </a:spcAft>
             </a:pPr>
             <a:r>
-              <a:rPr lang="en-US" sz="1218" kern="1200">
+              <a:rPr lang="en-US" sz="1218" kern="1200" dirty="0">
                 <a:solidFill>
                   <a:schemeClr val="tx1"/>
                 </a:solidFill>
@@ -13139,7 +13159,7 @@
               </a:spcAft>
             </a:pPr>
             <a:r>
-              <a:rPr lang="en-US" sz="1218" kern="1200">
+              <a:rPr lang="en-US" sz="1218" kern="1200" dirty="0">
                 <a:solidFill>
                   <a:schemeClr val="tx1"/>
                 </a:solidFill>
@@ -13157,7 +13177,7 @@
               </a:spcAft>
             </a:pPr>
             <a:r>
-              <a:rPr lang="en-US" sz="1218" kern="1200">
+              <a:rPr lang="en-US" sz="1218" kern="1200" dirty="0">
                 <a:solidFill>
                   <a:schemeClr val="tx1"/>
                 </a:solidFill>
@@ -13175,7 +13195,7 @@
               </a:spcAft>
             </a:pPr>
             <a:r>
-              <a:rPr lang="en-US" sz="1218" kern="1200">
+              <a:rPr lang="en-US" sz="1218" kern="1200" dirty="0">
                 <a:solidFill>
                   <a:schemeClr val="tx1"/>
                 </a:solidFill>
@@ -13193,7 +13213,7 @@
               </a:spcAft>
             </a:pPr>
             <a:r>
-              <a:rPr lang="en-US" sz="1218" kern="1200">
+              <a:rPr lang="en-US" sz="1218" kern="1200" dirty="0">
                 <a:solidFill>
                   <a:schemeClr val="tx1"/>
                 </a:solidFill>
@@ -13211,7 +13231,7 @@
               </a:spcAft>
             </a:pPr>
             <a:r>
-              <a:rPr lang="en-US" sz="1218" kern="1200">
+              <a:rPr lang="en-US" sz="1218" kern="1200" dirty="0">
                 <a:solidFill>
                   <a:schemeClr val="tx1"/>
                 </a:solidFill>
@@ -13221,7 +13241,7 @@
               </a:rPr>
               <a:t>1 WRU = one1KB write with LOCAL_QUORUM consistency</a:t>
             </a:r>
-            <a:endParaRPr lang="en-US" sz="1400"/>
+            <a:endParaRPr lang="en-US" sz="1400" dirty="0"/>
           </a:p>
         </p:txBody>
       </p:sp>
@@ -13254,7 +13274,7 @@
               </a:spcAft>
             </a:pPr>
             <a:r>
-              <a:rPr lang="en-US" sz="1218" b="1" kern="1200">
+              <a:rPr lang="en-US" sz="1218" b="1" kern="1200" dirty="0">
                 <a:solidFill>
                   <a:schemeClr val="tx1"/>
                 </a:solidFill>
@@ -13272,7 +13292,7 @@
               </a:spcAft>
             </a:pPr>
             <a:r>
-              <a:rPr lang="en-US" sz="1218" kern="1200">
+              <a:rPr lang="en-US" sz="1218" kern="1200" dirty="0">
                 <a:solidFill>
                   <a:schemeClr val="tx1"/>
                 </a:solidFill>
@@ -13290,7 +13310,7 @@
               </a:spcAft>
             </a:pPr>
             <a:r>
-              <a:rPr lang="en-US" sz="1218" kern="1200">
+              <a:rPr lang="en-US" sz="1218" kern="1200" dirty="0">
                 <a:solidFill>
                   <a:schemeClr val="tx1"/>
                 </a:solidFill>
@@ -13308,7 +13328,7 @@
               </a:spcAft>
             </a:pPr>
             <a:r>
-              <a:rPr lang="en-US" sz="1218" kern="1200">
+              <a:rPr lang="en-US" sz="1218" kern="1200" dirty="0">
                 <a:solidFill>
                   <a:schemeClr val="tx1"/>
                 </a:solidFill>
@@ -13326,7 +13346,7 @@
               </a:spcAft>
             </a:pPr>
             <a:r>
-              <a:rPr lang="en-US" sz="1218" kern="1200">
+              <a:rPr lang="en-US" sz="1218" kern="1200" dirty="0">
                 <a:solidFill>
                   <a:schemeClr val="tx1"/>
                 </a:solidFill>
@@ -13344,7 +13364,7 @@
               </a:spcAft>
             </a:pPr>
             <a:r>
-              <a:rPr lang="en-US" sz="1218" kern="1200">
+              <a:rPr lang="en-US" sz="1218" kern="1200" dirty="0">
                 <a:solidFill>
                   <a:schemeClr val="tx1"/>
                 </a:solidFill>
@@ -13362,7 +13382,7 @@
               </a:spcAft>
             </a:pPr>
             <a:r>
-              <a:rPr lang="en-US" sz="1218" kern="1200">
+              <a:rPr lang="en-US" sz="1218" kern="1200" dirty="0">
                 <a:solidFill>
                   <a:schemeClr val="tx1"/>
                 </a:solidFill>
@@ -13372,7 +13392,7 @@
               </a:rPr>
               <a:t>1 WCU = one1KB write with LOCAL_QUORUM consistency</a:t>
             </a:r>
-            <a:endParaRPr lang="en-US" sz="1400"/>
+            <a:endParaRPr lang="en-US" sz="1400" dirty="0"/>
           </a:p>
         </p:txBody>
       </p:sp>
@@ -13405,7 +13425,7 @@
               </a:spcAft>
             </a:pPr>
             <a:r>
-              <a:rPr lang="en-US" sz="1218" kern="1200">
+              <a:rPr lang="en-US" sz="1218" kern="1200" dirty="0">
                 <a:solidFill>
                   <a:schemeClr val="tx1"/>
                 </a:solidFill>
@@ -13423,7 +13443,7 @@
               </a:spcAft>
             </a:pPr>
             <a:r>
-              <a:rPr lang="en-US" sz="1218" b="1" u="sng" kern="1200">
+              <a:rPr lang="en-US" sz="1218" b="1" u="sng" kern="1200" dirty="0">
                 <a:solidFill>
                   <a:schemeClr val="tx1"/>
                 </a:solidFill>
@@ -13434,7 +13454,7 @@
               <a:t>For example</a:t>
             </a:r>
             <a:r>
-              <a:rPr lang="en-US" sz="1218" kern="1200">
+              <a:rPr lang="en-US" sz="1218" kern="1200" dirty="0">
                 <a:solidFill>
                   <a:schemeClr val="tx1"/>
                 </a:solidFill>
@@ -13452,7 +13472,7 @@
               </a:spcAft>
             </a:pPr>
             <a:r>
-              <a:rPr lang="en-US" sz="1218" kern="1200">
+              <a:rPr lang="en-US" sz="1218" kern="1200" dirty="0">
                 <a:solidFill>
                   <a:schemeClr val="tx1"/>
                 </a:solidFill>
@@ -13462,7 +13482,7 @@
               </a:rPr>
               <a:t>Storage, backups and restore, and data transfer costs are additional</a:t>
             </a:r>
-            <a:endParaRPr lang="en-US" sz="1400"/>
+            <a:endParaRPr lang="en-US" sz="1400" dirty="0"/>
           </a:p>
         </p:txBody>
       </p:sp>

--- a/lecture-materials/Databases/Keyspaces/aws_keyspaces.pptx
+++ b/lecture-materials/Databases/Keyspaces/aws_keyspaces.pptx
@@ -203,7 +203,7 @@
           <a:p>
             <a:fld id="{AAEB6DE9-8825-46DB-8599-E6FDEFBC057E}" type="datetimeFigureOut">
               <a:rPr lang="en-US" smtClean="0"/>
-              <a:t>12/10/23</a:t>
+              <a:t>12/20/23</a:t>
             </a:fld>
             <a:endParaRPr lang="en-US"/>
           </a:p>
@@ -1106,7 +1106,7 @@
           <a:p>
             <a:fld id="{8BFB2B9F-0BB7-4D1B-91A5-614A0A292C0D}" type="datetimeFigureOut">
               <a:rPr lang="en-US" smtClean="0"/>
-              <a:t>12/10/23</a:t>
+              <a:t>12/20/23</a:t>
             </a:fld>
             <a:endParaRPr lang="en-US"/>
           </a:p>
@@ -1276,7 +1276,7 @@
           <a:p>
             <a:fld id="{8BFB2B9F-0BB7-4D1B-91A5-614A0A292C0D}" type="datetimeFigureOut">
               <a:rPr lang="en-US" smtClean="0"/>
-              <a:t>12/10/23</a:t>
+              <a:t>12/20/23</a:t>
             </a:fld>
             <a:endParaRPr lang="en-US"/>
           </a:p>
@@ -1456,7 +1456,7 @@
           <a:p>
             <a:fld id="{8BFB2B9F-0BB7-4D1B-91A5-614A0A292C0D}" type="datetimeFigureOut">
               <a:rPr lang="en-US" smtClean="0"/>
-              <a:t>12/10/23</a:t>
+              <a:t>12/20/23</a:t>
             </a:fld>
             <a:endParaRPr lang="en-US"/>
           </a:p>
@@ -1626,7 +1626,7 @@
           <a:p>
             <a:fld id="{8BFB2B9F-0BB7-4D1B-91A5-614A0A292C0D}" type="datetimeFigureOut">
               <a:rPr lang="en-US" smtClean="0"/>
-              <a:t>12/10/23</a:t>
+              <a:t>12/20/23</a:t>
             </a:fld>
             <a:endParaRPr lang="en-US"/>
           </a:p>
@@ -1872,7 +1872,7 @@
           <a:p>
             <a:fld id="{8BFB2B9F-0BB7-4D1B-91A5-614A0A292C0D}" type="datetimeFigureOut">
               <a:rPr lang="en-US" smtClean="0"/>
-              <a:t>12/10/23</a:t>
+              <a:t>12/20/23</a:t>
             </a:fld>
             <a:endParaRPr lang="en-US"/>
           </a:p>
@@ -2104,7 +2104,7 @@
           <a:p>
             <a:fld id="{8BFB2B9F-0BB7-4D1B-91A5-614A0A292C0D}" type="datetimeFigureOut">
               <a:rPr lang="en-US" smtClean="0"/>
-              <a:t>12/10/23</a:t>
+              <a:t>12/20/23</a:t>
             </a:fld>
             <a:endParaRPr lang="en-US"/>
           </a:p>
@@ -2471,7 +2471,7 @@
           <a:p>
             <a:fld id="{8BFB2B9F-0BB7-4D1B-91A5-614A0A292C0D}" type="datetimeFigureOut">
               <a:rPr lang="en-US" smtClean="0"/>
-              <a:t>12/10/23</a:t>
+              <a:t>12/20/23</a:t>
             </a:fld>
             <a:endParaRPr lang="en-US"/>
           </a:p>
@@ -2589,7 +2589,7 @@
           <a:p>
             <a:fld id="{8BFB2B9F-0BB7-4D1B-91A5-614A0A292C0D}" type="datetimeFigureOut">
               <a:rPr lang="en-US" smtClean="0"/>
-              <a:t>12/10/23</a:t>
+              <a:t>12/20/23</a:t>
             </a:fld>
             <a:endParaRPr lang="en-US"/>
           </a:p>
@@ -2684,7 +2684,7 @@
           <a:p>
             <a:fld id="{8BFB2B9F-0BB7-4D1B-91A5-614A0A292C0D}" type="datetimeFigureOut">
               <a:rPr lang="en-US" smtClean="0"/>
-              <a:t>12/10/23</a:t>
+              <a:t>12/20/23</a:t>
             </a:fld>
             <a:endParaRPr lang="en-US"/>
           </a:p>
@@ -2961,7 +2961,7 @@
           <a:p>
             <a:fld id="{8BFB2B9F-0BB7-4D1B-91A5-614A0A292C0D}" type="datetimeFigureOut">
               <a:rPr lang="en-US" smtClean="0"/>
-              <a:t>12/10/23</a:t>
+              <a:t>12/20/23</a:t>
             </a:fld>
             <a:endParaRPr lang="en-US"/>
           </a:p>
@@ -3214,7 +3214,7 @@
           <a:p>
             <a:fld id="{8BFB2B9F-0BB7-4D1B-91A5-614A0A292C0D}" type="datetimeFigureOut">
               <a:rPr lang="en-US" smtClean="0"/>
-              <a:t>12/10/23</a:t>
+              <a:t>12/20/23</a:t>
             </a:fld>
             <a:endParaRPr lang="en-US"/>
           </a:p>
@@ -3427,7 +3427,7 @@
           <a:p>
             <a:fld id="{8BFB2B9F-0BB7-4D1B-91A5-614A0A292C0D}" type="datetimeFigureOut">
               <a:rPr lang="en-US" smtClean="0"/>
-              <a:t>12/10/23</a:t>
+              <a:t>12/20/23</a:t>
             </a:fld>
             <a:endParaRPr lang="en-US"/>
           </a:p>
@@ -6033,8 +6033,8 @@
         </p:nvSpPr>
         <p:spPr>
           <a:xfrm>
-            <a:off x="838201" y="2013625"/>
-            <a:ext cx="5257799" cy="4163337"/>
+            <a:off x="652229" y="1777645"/>
+            <a:ext cx="5443771" cy="4399317"/>
           </a:xfrm>
         </p:spPr>
         <p:txBody>
@@ -6044,99 +6044,187 @@
           <a:lstStyle/>
           <a:p>
             <a:r>
-              <a:rPr lang="en-US" sz="1100" dirty="0"/>
+              <a:rPr lang="en-US" sz="1200" dirty="0"/>
               <a:t>A scalable, highly available, and fully-managed database service</a:t>
             </a:r>
           </a:p>
           <a:p>
             <a:r>
-              <a:rPr lang="en-US" sz="1100" dirty="0"/>
+              <a:rPr lang="en-US" sz="1200" dirty="0"/>
               <a:t>Lets you run your </a:t>
             </a:r>
             <a:r>
-              <a:rPr lang="en-US" sz="1100" u="sng" dirty="0"/>
+              <a:rPr lang="en-US" sz="1200" u="sng" dirty="0">
+                <a:highlight>
+                  <a:srgbClr val="00FF00"/>
+                </a:highlight>
+              </a:rPr>
               <a:t>Cassandra</a:t>
             </a:r>
             <a:r>
-              <a:rPr lang="en-US" sz="1100" dirty="0"/>
+              <a:rPr lang="en-US" sz="1200" dirty="0"/>
               <a:t> workloads on AWS</a:t>
             </a:r>
           </a:p>
           <a:p>
             <a:r>
-              <a:rPr lang="en-US" sz="1100" dirty="0"/>
+              <a:rPr lang="en-US" sz="1200" dirty="0">
+                <a:highlight>
+                  <a:srgbClr val="00FF00"/>
+                </a:highlight>
+              </a:rPr>
               <a:t>Cassandra is an open-source, wide-column, </a:t>
             </a:r>
             <a:r>
-              <a:rPr lang="en-US" sz="1100" u="sng" dirty="0"/>
+              <a:rPr lang="en-US" sz="1200" u="sng" dirty="0">
+                <a:highlight>
+                  <a:srgbClr val="00FF00"/>
+                </a:highlight>
+              </a:rPr>
               <a:t>NoSQL data store</a:t>
             </a:r>
           </a:p>
           <a:p>
             <a:r>
-              <a:rPr lang="en-US" sz="1100" dirty="0"/>
-              <a:t>Is serverless, so you pay for what you use + autoscaling</a:t>
-            </a:r>
-          </a:p>
-          <a:p>
-            <a:r>
-              <a:rPr lang="en-US" sz="1100" dirty="0"/>
+              <a:rPr lang="en-US" sz="1200" dirty="0"/>
+              <a:t>Is </a:t>
+            </a:r>
+            <a:r>
+              <a:rPr lang="en-US" sz="1200" dirty="0">
+                <a:highlight>
+                  <a:srgbClr val="00FF00"/>
+                </a:highlight>
+              </a:rPr>
+              <a:t>serverless</a:t>
+            </a:r>
+            <a:r>
+              <a:rPr lang="en-US" sz="1200" dirty="0"/>
+              <a:t>, so you pay for what you use + autoscaling</a:t>
+            </a:r>
+          </a:p>
+          <a:p>
+            <a:r>
+              <a:rPr lang="en-US" sz="1200" dirty="0">
+                <a:highlight>
+                  <a:srgbClr val="FFFF00"/>
+                </a:highlight>
+              </a:rPr>
               <a:t>Supports thousands of requests per second with virtually unlimited throughput and storage</a:t>
             </a:r>
           </a:p>
           <a:p>
             <a:r>
-              <a:rPr lang="en-US" sz="1100" dirty="0"/>
+              <a:rPr lang="en-US" sz="1200" dirty="0"/>
               <a:t>Compatible with the CQL (Cassandra Query Language) API</a:t>
             </a:r>
           </a:p>
           <a:p>
             <a:r>
-              <a:rPr lang="en-US" sz="1100" dirty="0"/>
+              <a:rPr lang="en-US" sz="1200" dirty="0">
+                <a:highlight>
+                  <a:srgbClr val="FFFF00"/>
+                </a:highlight>
+              </a:rPr>
               <a:t>Security through IAM, VPC and KMS</a:t>
             </a:r>
           </a:p>
           <a:p>
             <a:r>
-              <a:rPr lang="en-US" sz="1100" dirty="0"/>
+              <a:rPr lang="en-US" sz="1200" dirty="0"/>
               <a:t>Data is encrypted by default, supports encryption at rest and in transit</a:t>
             </a:r>
           </a:p>
           <a:p>
             <a:r>
-              <a:rPr lang="en-US" sz="1100" dirty="0"/>
+              <a:rPr lang="en-US" sz="1200" dirty="0">
+                <a:highlight>
+                  <a:srgbClr val="00FF00"/>
+                </a:highlight>
+              </a:rPr>
               <a:t>Supports continuous backups with PITR</a:t>
             </a:r>
           </a:p>
           <a:p>
             <a:r>
-              <a:rPr lang="en-US" sz="1100" dirty="0"/>
-              <a:t>All writes replicated three times across multiple AZs for durability and availability</a:t>
-            </a:r>
-          </a:p>
-          <a:p>
-            <a:r>
-              <a:rPr lang="en-US" sz="1100" dirty="0"/>
-              <a:t>Offers 99.99% availability SLA within Region with no scheduled downtime</a:t>
-            </a:r>
-          </a:p>
-          <a:p>
-            <a:r>
-              <a:rPr lang="en-US" sz="1100" u="sng" dirty="0"/>
+              <a:rPr lang="en-US" sz="1200" dirty="0">
+                <a:highlight>
+                  <a:srgbClr val="00FF00"/>
+                </a:highlight>
+              </a:rPr>
+              <a:t>All writes replicated three times across multiple AZs</a:t>
+            </a:r>
+            <a:r>
+              <a:rPr lang="en-US" sz="1200" dirty="0"/>
+              <a:t> for durability and availability</a:t>
+            </a:r>
+          </a:p>
+          <a:p>
+            <a:r>
+              <a:rPr lang="en-US" sz="1200" dirty="0"/>
+              <a:t>Offers </a:t>
+            </a:r>
+            <a:r>
+              <a:rPr lang="en-US" sz="1200" dirty="0">
+                <a:highlight>
+                  <a:srgbClr val="00FF00"/>
+                </a:highlight>
+              </a:rPr>
+              <a:t>99.99% </a:t>
+            </a:r>
+            <a:r>
+              <a:rPr lang="en-US" sz="1200" dirty="0"/>
+              <a:t>availability </a:t>
+            </a:r>
+            <a:r>
+              <a:rPr lang="en-US" sz="1200" dirty="0">
+                <a:highlight>
+                  <a:srgbClr val="00FF00"/>
+                </a:highlight>
+              </a:rPr>
+              <a:t>SLA</a:t>
+            </a:r>
+            <a:r>
+              <a:rPr lang="en-US" sz="1200" dirty="0"/>
+              <a:t> within Region with no scheduled downtime</a:t>
+            </a:r>
+          </a:p>
+          <a:p>
+            <a:r>
+              <a:rPr lang="en-US" sz="1200" u="sng" dirty="0"/>
               <a:t>Monitoring</a:t>
             </a:r>
             <a:r>
-              <a:rPr lang="en-US" sz="1100" dirty="0"/>
-              <a:t> through CloudWatch, DDL actions logged with CloudTrail </a:t>
-            </a:r>
-          </a:p>
-          <a:p>
-            <a:r>
-              <a:rPr lang="en-US" sz="1100" u="sng" dirty="0"/>
+              <a:rPr lang="en-US" sz="1200" dirty="0"/>
+              <a:t> through </a:t>
+            </a:r>
+            <a:r>
+              <a:rPr lang="en-US" sz="1200" dirty="0">
+                <a:highlight>
+                  <a:srgbClr val="00FF00"/>
+                </a:highlight>
+              </a:rPr>
+              <a:t>CloudWatch</a:t>
+            </a:r>
+            <a:r>
+              <a:rPr lang="en-US" sz="1200" dirty="0"/>
+              <a:t>, </a:t>
+            </a:r>
+            <a:r>
+              <a:rPr lang="en-US" sz="1200" dirty="0">
+                <a:highlight>
+                  <a:srgbClr val="00FF00"/>
+                </a:highlight>
+              </a:rPr>
+              <a:t>DDL actions logged with CloudTrail </a:t>
+            </a:r>
+          </a:p>
+          <a:p>
+            <a:r>
+              <a:rPr lang="en-US" sz="1200" u="sng" dirty="0"/>
               <a:t>Use cases: </a:t>
             </a:r>
             <a:r>
-              <a:rPr lang="en-US" sz="1100" dirty="0"/>
+              <a:rPr lang="en-US" sz="1200" dirty="0"/>
               <a:t>IoT device metadata / User profiles / Time-series data / Transactions data (e.g. ecommerce)</a:t>
             </a:r>
           </a:p>
@@ -7797,111 +7885,141 @@
         </p:nvSpPr>
         <p:spPr>
           <a:xfrm>
-            <a:off x="838201" y="2013625"/>
-            <a:ext cx="5257799" cy="4163337"/>
+            <a:off x="434820" y="1502685"/>
+            <a:ext cx="6503109" cy="4930087"/>
           </a:xfrm>
         </p:spPr>
         <p:txBody>
           <a:bodyPr vert="horz" lIns="91440" tIns="45720" rIns="91440" bIns="45720" rtlCol="0">
-            <a:normAutofit/>
+            <a:normAutofit fontScale="92500"/>
           </a:bodyPr>
           <a:lstStyle/>
           <a:p>
             <a:pPr marL="0"/>
             <a:r>
-              <a:rPr lang="en-US" sz="1000" b="1" dirty="0"/>
+              <a:rPr lang="en-US" sz="1400" b="1" dirty="0"/>
               <a:t>Apache Cassandra </a:t>
             </a:r>
             <a:r>
-              <a:rPr lang="en-US" sz="1000" dirty="0"/>
-              <a:t>is an open source NoSQL distributed database trusted by thousands of companies for scalability and high availability without compromising performance. </a:t>
+              <a:rPr lang="en-US" sz="1400" dirty="0"/>
+              <a:t>is an open source NoSQL distributed database for scalability and high availability without compromising performance. </a:t>
             </a:r>
           </a:p>
           <a:p>
             <a:pPr marL="0"/>
             <a:r>
-              <a:rPr lang="en-US" sz="1000" dirty="0"/>
-              <a:t>Linear scalability and proven fault-tolerance on commodity hardware or cloud infrastructure make it the perfect platform for mission-critical data.</a:t>
+              <a:rPr lang="en-US" sz="1400" dirty="0"/>
+              <a:t>Created in 2008 by Facebook engineer. Now part of Apache</a:t>
             </a:r>
           </a:p>
           <a:p>
             <a:pPr marL="0"/>
             <a:r>
-              <a:rPr lang="en-US" sz="1000" b="1" dirty="0"/>
+              <a:rPr lang="en-US" sz="1400" b="1" dirty="0">
+                <a:highlight>
+                  <a:srgbClr val="00FF00"/>
+                </a:highlight>
+              </a:rPr>
+              <a:t>Linear scalability </a:t>
+            </a:r>
+            <a:r>
+              <a:rPr lang="en-US" sz="1400" dirty="0"/>
+              <a:t>and proven fault-tolerance on commodity hardware or cloud infrastructure make it the perfect platform for mission-critical data.</a:t>
+            </a:r>
+          </a:p>
+          <a:p>
+            <a:pPr marL="0"/>
+            <a:r>
+              <a:rPr lang="en-US" sz="1400" b="1" dirty="0">
+                <a:highlight>
+                  <a:srgbClr val="00FF00"/>
+                </a:highlight>
+              </a:rPr>
+              <a:t>No joins. Data stored with full denormalization</a:t>
+            </a:r>
+            <a:r>
+              <a:rPr lang="en-US" sz="1400" dirty="0"/>
+              <a:t>.</a:t>
+            </a:r>
+          </a:p>
+          <a:p>
+            <a:pPr marL="0"/>
+            <a:r>
+              <a:rPr lang="en-US" sz="1400" b="1" dirty="0"/>
               <a:t>Features: </a:t>
             </a:r>
           </a:p>
           <a:p>
             <a:pPr marL="457200" lvl="1"/>
             <a:r>
-              <a:rPr lang="en-US" sz="1000" b="1" dirty="0"/>
+              <a:rPr lang="en-US" sz="1300" b="1" dirty="0"/>
               <a:t>Hybrid</a:t>
             </a:r>
             <a:r>
-              <a:rPr lang="en-US" sz="1000" dirty="0"/>
+              <a:rPr lang="en-US" sz="1300" dirty="0"/>
               <a:t> : Masterless architecture and low latency means Cassandra will withstand an entire data center outage with no data loss—across public or private clouds and on-premises.</a:t>
             </a:r>
           </a:p>
           <a:p>
             <a:pPr marL="457200" lvl="1"/>
             <a:r>
-              <a:rPr lang="en-US" sz="1000" b="1" dirty="0"/>
+              <a:rPr lang="en-US" sz="1300" b="1" dirty="0"/>
               <a:t>Fault Tolerant </a:t>
             </a:r>
             <a:r>
-              <a:rPr lang="en-US" sz="1000" dirty="0"/>
+              <a:rPr lang="en-US" sz="1300" dirty="0"/>
               <a:t>: Cassandra’s support for replicating across multiple datacenters is best-in-class, providing lower latency for your users and the peace of mind of knowing that you can survive regional outages. Failed nodes can be replaced with no downtime.</a:t>
             </a:r>
           </a:p>
           <a:p>
             <a:pPr marL="457200" lvl="1"/>
             <a:r>
-              <a:rPr lang="en-US" sz="1000" b="1" dirty="0"/>
+              <a:rPr lang="en-US" sz="1300" b="1" dirty="0"/>
               <a:t>Focus on Quality </a:t>
             </a:r>
             <a:r>
-              <a:rPr lang="en-US" sz="1000" dirty="0"/>
+              <a:rPr lang="en-US" sz="1300" dirty="0"/>
               <a:t>: To ensure reliability and stability, Cassandra is tested on clusters as large as 1,000 nodes and with hundreds of real world use cases and schemas tested with replay, fuzz, property-based, fault-injection, and performance tests.</a:t>
             </a:r>
           </a:p>
           <a:p>
             <a:pPr marL="457200" lvl="1"/>
             <a:r>
-              <a:rPr lang="en-US" sz="1000" b="1" dirty="0"/>
+              <a:rPr lang="en-US" sz="1300" b="1" dirty="0"/>
               <a:t>Performant</a:t>
             </a:r>
             <a:r>
-              <a:rPr lang="en-US" sz="1000" dirty="0"/>
+              <a:rPr lang="en-US" sz="1300" dirty="0"/>
               <a:t> : Cassandra consistently outperforms popular NoSQL alternatives in benchmarks and real applications, primarily because of fundamental architectural choices.</a:t>
             </a:r>
           </a:p>
           <a:p>
             <a:pPr marL="457200" lvl="1"/>
             <a:r>
-              <a:rPr lang="en-US" sz="1000" b="1" dirty="0"/>
+              <a:rPr lang="en-US" sz="1300" b="1" dirty="0"/>
               <a:t>You’re In Control </a:t>
             </a:r>
             <a:r>
-              <a:rPr lang="en-US" sz="1000" dirty="0"/>
+              <a:rPr lang="en-US" sz="1300" dirty="0"/>
               <a:t>: Choose between synchronous or asynchronous replication for each update. Highly available asynchronous operations are optimized with features like Hinted Handoff and Read Repair.</a:t>
             </a:r>
           </a:p>
           <a:p>
             <a:pPr marL="457200" lvl="1"/>
             <a:r>
-              <a:rPr lang="en-US" sz="1000" b="1" dirty="0"/>
+              <a:rPr lang="en-US" sz="1300" b="1" dirty="0"/>
               <a:t>Security and Observability </a:t>
             </a:r>
             <a:r>
-              <a:rPr lang="en-US" sz="1000" dirty="0"/>
+              <a:rPr lang="en-US" sz="1300" dirty="0"/>
               <a:t>: The audit logging feature for operators tracks the DML, DDL, and DCL activity with minimal impact to normal workload performance, while the </a:t>
             </a:r>
             <a:r>
-              <a:rPr lang="en-US" sz="1000" dirty="0" err="1"/>
+              <a:rPr lang="en-US" sz="1300" dirty="0" err="1"/>
               <a:t>fqltool</a:t>
             </a:r>
             <a:r>
-              <a:rPr lang="en-US" sz="1000" dirty="0"/>
+              <a:rPr lang="en-US" sz="1300" dirty="0"/>
               <a:t> allows the capture and replay of production workloads for analysis.</a:t>
             </a:r>
           </a:p>
@@ -7923,7 +8041,7 @@
         </p:blipFill>
         <p:spPr>
           <a:xfrm>
-            <a:off x="7608217" y="2766817"/>
+            <a:off x="7838416" y="2716546"/>
             <a:ext cx="2445926" cy="2751667"/>
           </a:xfrm>
           <a:prstGeom prst="rect">
@@ -11187,41 +11305,105 @@
           <a:p>
             <a:pPr lvl="1"/>
             <a:r>
-              <a:rPr lang="en-US" sz="1800" u="sng" dirty="0"/>
+              <a:rPr lang="en-US" sz="1800" u="sng" dirty="0">
+                <a:highlight>
+                  <a:srgbClr val="FFFF00"/>
+                </a:highlight>
+              </a:rPr>
               <a:t>LOCAL_ONE consistency</a:t>
             </a:r>
           </a:p>
           <a:p>
             <a:pPr lvl="1"/>
             <a:r>
-              <a:rPr lang="en-US" sz="1800" u="sng" dirty="0"/>
+              <a:rPr lang="en-US" sz="1800" u="sng" dirty="0">
+                <a:highlight>
+                  <a:srgbClr val="FFFF00"/>
+                </a:highlight>
+              </a:rPr>
               <a:t>LOCAL_QUORUM consistency</a:t>
             </a:r>
           </a:p>
           <a:p>
             <a:r>
-              <a:rPr lang="en-US" sz="1800" u="sng" dirty="0"/>
+              <a:rPr lang="en-US" sz="1800" u="sng" dirty="0">
+                <a:highlight>
+                  <a:srgbClr val="00FF00"/>
+                </a:highlight>
+              </a:rPr>
               <a:t>LOCAL_ONE</a:t>
             </a:r>
             <a:r>
+              <a:rPr lang="en-US" sz="1800" dirty="0">
+                <a:highlight>
+                  <a:srgbClr val="00FF00"/>
+                </a:highlight>
+              </a:rPr>
+              <a:t> </a:t>
+            </a:r>
+            <a:r>
               <a:rPr lang="en-US" sz="1800" dirty="0"/>
-              <a:t> optimizes for performance and availability by returning the first returned value from any storage replica</a:t>
-            </a:r>
-          </a:p>
-          <a:p>
-            <a:r>
-              <a:rPr lang="en-US" sz="1800" u="sng" dirty="0"/>
+              <a:t>optimizes for </a:t>
+            </a:r>
+            <a:r>
+              <a:rPr lang="en-US" sz="1800" dirty="0">
+                <a:highlight>
+                  <a:srgbClr val="00FF00"/>
+                </a:highlight>
+              </a:rPr>
+              <a:t>performance and availability </a:t>
+            </a:r>
+            <a:r>
+              <a:rPr lang="en-US" sz="1800" dirty="0"/>
+              <a:t>by returning the </a:t>
+            </a:r>
+            <a:r>
+              <a:rPr lang="en-US" sz="1800" dirty="0">
+                <a:highlight>
+                  <a:srgbClr val="00FF00"/>
+                </a:highlight>
+              </a:rPr>
+              <a:t>first returned value from any storage replica</a:t>
+            </a:r>
+          </a:p>
+          <a:p>
+            <a:r>
+              <a:rPr lang="en-US" sz="1800" u="sng" dirty="0">
+                <a:highlight>
+                  <a:srgbClr val="00FF00"/>
+                </a:highlight>
+              </a:rPr>
               <a:t>LOCAL_QUORUM</a:t>
             </a:r>
             <a:r>
+              <a:rPr lang="en-US" sz="1800" dirty="0">
+                <a:highlight>
+                  <a:srgbClr val="00FF00"/>
+                </a:highlight>
+              </a:rPr>
+              <a:t> optimizes for data correctness </a:t>
+            </a:r>
+            <a:r>
               <a:rPr lang="en-US" sz="1800" dirty="0"/>
-              <a:t> optimizes for data correctness by requiring at least two replicas to return a value before it is returned to your application</a:t>
-            </a:r>
-          </a:p>
-          <a:p>
+              <a:t>by requiring at </a:t>
+            </a:r>
+            <a:r>
+              <a:rPr lang="en-US" sz="1800" dirty="0">
+                <a:highlight>
+                  <a:srgbClr val="00FF00"/>
+                </a:highlight>
+              </a:rPr>
+              <a:t>least two replicas </a:t>
+            </a:r>
             <a:r>
               <a:rPr lang="en-US" sz="1800" dirty="0"/>
-              <a:t>All writes use LOCAL_QUORUM for durability</a:t>
+              <a:t>to return a value before it is returned to your application</a:t>
+            </a:r>
+          </a:p>
+          <a:p>
+            <a:r>
+              <a:rPr lang="en-US" sz="1800" dirty="0"/>
+              <a:t>All writes consistency use LOCAL_QUORUM for durability</a:t>
             </a:r>
           </a:p>
         </p:txBody>
@@ -13255,7 +13437,7 @@
         </p:nvSpPr>
         <p:spPr>
           <a:xfrm>
-            <a:off x="6336137" y="2001902"/>
+            <a:off x="6336138" y="2001902"/>
             <a:ext cx="4898276" cy="2080419"/>
           </a:xfrm>
           <a:prstGeom prst="rect">
